--- a/PPT/04_向量的内积.pptx
+++ b/PPT/04_向量的内积.pptx
@@ -345,7 +345,7 @@
               <a:pPr>
                 <a:defRPr/>
               </a:pPr>
-              <a:t>2017/8/8</a:t>
+              <a:t>2017/8/9</a:t>
             </a:fld>
             <a:endParaRPr lang="zh-CN" altLang="en-US" sz="1200"/>
           </a:p>
@@ -19421,8 +19421,8 @@
           </a:p>
         </p:txBody>
       </p:sp>
-      <mc:AlternateContent xmlns:mc="http://schemas.openxmlformats.org/markup-compatibility/2006">
-        <mc:Choice xmlns:a14="http://schemas.microsoft.com/office/drawing/2010/main" Requires="a14">
+      <mc:AlternateContent xmlns:mc="http://schemas.openxmlformats.org/markup-compatibility/2006" xmlns:a14="http://schemas.microsoft.com/office/drawing/2010/main">
+        <mc:Choice Requires="a14">
           <p:sp>
             <p:nvSpPr>
               <p:cNvPr id="7" name="Content Placeholder 3">
@@ -20228,7 +20228,7 @@
             </p:txBody>
           </p:sp>
         </mc:Choice>
-        <mc:Fallback>
+        <mc:Fallback xmlns="">
           <p:sp>
             <p:nvSpPr>
               <p:cNvPr id="7" name="Content Placeholder 3">
@@ -20444,8 +20444,8 @@
           </a:p>
         </p:txBody>
       </p:sp>
-      <mc:AlternateContent xmlns:mc="http://schemas.openxmlformats.org/markup-compatibility/2006">
-        <mc:Choice xmlns:a14="http://schemas.microsoft.com/office/drawing/2010/main" Requires="a14">
+      <mc:AlternateContent xmlns:mc="http://schemas.openxmlformats.org/markup-compatibility/2006" xmlns:a14="http://schemas.microsoft.com/office/drawing/2010/main">
+        <mc:Choice Requires="a14">
           <p:sp>
             <p:nvSpPr>
               <p:cNvPr id="7" name="Content Placeholder 3">
@@ -21510,7 +21510,7 @@
             </p:txBody>
           </p:sp>
         </mc:Choice>
-        <mc:Fallback>
+        <mc:Fallback xmlns="">
           <p:sp>
             <p:nvSpPr>
               <p:cNvPr id="7" name="Content Placeholder 3">
@@ -21726,8 +21726,8 @@
           </a:p>
         </p:txBody>
       </p:sp>
-      <mc:AlternateContent xmlns:mc="http://schemas.openxmlformats.org/markup-compatibility/2006">
-        <mc:Choice xmlns:a14="http://schemas.microsoft.com/office/drawing/2010/main" Requires="a14">
+      <mc:AlternateContent xmlns:mc="http://schemas.openxmlformats.org/markup-compatibility/2006" xmlns:a14="http://schemas.microsoft.com/office/drawing/2010/main">
+        <mc:Choice Requires="a14">
           <p:sp>
             <p:nvSpPr>
               <p:cNvPr id="7" name="Content Placeholder 3">
@@ -23134,7 +23134,7 @@
             </p:txBody>
           </p:sp>
         </mc:Choice>
-        <mc:Fallback>
+        <mc:Fallback xmlns="">
           <p:sp>
             <p:nvSpPr>
               <p:cNvPr id="7" name="Content Placeholder 3">
@@ -23350,8 +23350,8 @@
           </a:p>
         </p:txBody>
       </p:sp>
-      <mc:AlternateContent xmlns:mc="http://schemas.openxmlformats.org/markup-compatibility/2006">
-        <mc:Choice xmlns:a14="http://schemas.microsoft.com/office/drawing/2010/main" Requires="a14">
+      <mc:AlternateContent xmlns:mc="http://schemas.openxmlformats.org/markup-compatibility/2006" xmlns:a14="http://schemas.microsoft.com/office/drawing/2010/main">
+        <mc:Choice Requires="a14">
           <p:sp>
             <p:nvSpPr>
               <p:cNvPr id="7" name="Content Placeholder 3">
@@ -24927,7 +24927,7 @@
             </p:txBody>
           </p:sp>
         </mc:Choice>
-        <mc:Fallback>
+        <mc:Fallback xmlns="">
           <p:sp>
             <p:nvSpPr>
               <p:cNvPr id="7" name="Content Placeholder 3">
@@ -26169,8 +26169,8 @@
           </a:p>
         </p:txBody>
       </p:sp>
-      <mc:AlternateContent xmlns:mc="http://schemas.openxmlformats.org/markup-compatibility/2006">
-        <mc:Choice xmlns:a14="http://schemas.microsoft.com/office/drawing/2010/main" Requires="a14">
+      <mc:AlternateContent xmlns:mc="http://schemas.openxmlformats.org/markup-compatibility/2006" xmlns:a14="http://schemas.microsoft.com/office/drawing/2010/main">
+        <mc:Choice Requires="a14">
           <p:sp>
             <p:nvSpPr>
               <p:cNvPr id="7" name="Content Placeholder 3">
@@ -28019,7 +28019,7 @@
             </p:txBody>
           </p:sp>
         </mc:Choice>
-        <mc:Fallback>
+        <mc:Fallback xmlns="">
           <p:sp>
             <p:nvSpPr>
               <p:cNvPr id="7" name="Content Placeholder 3">
@@ -28235,8 +28235,8 @@
           </a:p>
         </p:txBody>
       </p:sp>
-      <mc:AlternateContent xmlns:mc="http://schemas.openxmlformats.org/markup-compatibility/2006">
-        <mc:Choice xmlns:a14="http://schemas.microsoft.com/office/drawing/2010/main" Requires="a14">
+      <mc:AlternateContent xmlns:mc="http://schemas.openxmlformats.org/markup-compatibility/2006" xmlns:a14="http://schemas.microsoft.com/office/drawing/2010/main">
+        <mc:Choice Requires="a14">
           <p:sp>
             <p:nvSpPr>
               <p:cNvPr id="7" name="Content Placeholder 3">
@@ -30266,7 +30266,7 @@
             </p:txBody>
           </p:sp>
         </mc:Choice>
-        <mc:Fallback>
+        <mc:Fallback xmlns="">
           <p:sp>
             <p:nvSpPr>
               <p:cNvPr id="7" name="Content Placeholder 3">
@@ -33726,8 +33726,8 @@
           </a:p>
         </p:txBody>
       </p:sp>
-      <mc:AlternateContent xmlns:mc="http://schemas.openxmlformats.org/markup-compatibility/2006" xmlns:a14="http://schemas.microsoft.com/office/drawing/2010/main">
-        <mc:Choice Requires="a14">
+      <mc:AlternateContent xmlns:mc="http://schemas.openxmlformats.org/markup-compatibility/2006">
+        <mc:Choice xmlns:a14="http://schemas.microsoft.com/office/drawing/2010/main" Requires="a14">
           <p:sp>
             <p:nvSpPr>
               <p:cNvPr id="4" name="Content Placeholder 3">
@@ -34033,7 +34033,7 @@
                     <a:latin typeface="微软雅黑 Light" panose="020B0502040204020203" pitchFamily="34" charset="-122"/>
                     <a:ea typeface="微软雅黑 Light" panose="020B0502040204020203" pitchFamily="34" charset="-122"/>
                   </a:rPr>
-                  <a:t>向量</a:t>
+                  <a:t>已知向量</a:t>
                 </a:r>
                 <a:endParaRPr lang="en-US" altLang="zh-CN" sz="2800" dirty="0">
                   <a:solidFill>
@@ -34337,7 +34337,7 @@
             </p:txBody>
           </p:sp>
         </mc:Choice>
-        <mc:Fallback xmlns="">
+        <mc:Fallback>
           <p:sp>
             <p:nvSpPr>
               <p:cNvPr id="4" name="Content Placeholder 3">

--- a/PPT/04_向量的内积.pptx
+++ b/PPT/04_向量的内积.pptx
@@ -3377,7 +3377,7 @@
         <p:spPr bwMode="auto">
           <a:xfrm>
             <a:off x="4473575" y="2787650"/>
-            <a:ext cx="4202113" cy="336550"/>
+            <a:ext cx="4202113" cy="336695"/>
           </a:xfrm>
           <a:prstGeom prst="rect">
             <a:avLst/>
@@ -3533,20 +3533,12 @@
               </a:lnSpc>
             </a:pPr>
             <a:r>
-              <a:rPr lang="zh-CN" altLang="en-US" sz="1200">
+              <a:rPr lang="en-US" altLang="zh-CN" sz="1200" dirty="0">
                 <a:solidFill>
-                  <a:srgbClr val="7F7F7F"/>
-                </a:solidFill>
-                <a:latin typeface="微软雅黑" panose="020B0503020204020204" pitchFamily="34" charset="-122"/>
-                <a:ea typeface="微软雅黑" panose="020B0503020204020204" pitchFamily="34" charset="-122"/>
-                <a:sym typeface="微软雅黑" panose="020B0503020204020204" pitchFamily="34" charset="-122"/>
-              </a:rPr>
-              <a:t>讲师的</a:t>
-            </a:r>
-            <a:r>
-              <a:rPr lang="en-US" altLang="zh-CN" sz="1200">
-                <a:solidFill>
-                  <a:srgbClr val="7F7F7F"/>
+                  <a:schemeClr val="tx1">
+                    <a:lumMod val="65000"/>
+                    <a:lumOff val="35000"/>
+                  </a:schemeClr>
                 </a:solidFill>
                 <a:latin typeface="微软雅黑" panose="020B0503020204020204" pitchFamily="34" charset="-122"/>
                 <a:ea typeface="微软雅黑" panose="020B0503020204020204" pitchFamily="34" charset="-122"/>
@@ -3555,9 +3547,12 @@
               <a:t>CSDN</a:t>
             </a:r>
             <a:r>
-              <a:rPr lang="zh-CN" altLang="en-US" sz="1200">
+              <a:rPr lang="zh-CN" altLang="en-US" sz="1200" dirty="0">
                 <a:solidFill>
-                  <a:srgbClr val="7F7F7F"/>
+                  <a:schemeClr val="tx1">
+                    <a:lumMod val="65000"/>
+                    <a:lumOff val="35000"/>
+                  </a:schemeClr>
                 </a:solidFill>
                 <a:latin typeface="微软雅黑" panose="020B0503020204020204" pitchFamily="34" charset="-122"/>
                 <a:ea typeface="微软雅黑" panose="020B0503020204020204" pitchFamily="34" charset="-122"/>
@@ -3565,9 +3560,12 @@
               </a:rPr>
               <a:t>博客地址</a:t>
             </a:r>
-            <a:endParaRPr lang="en-US" altLang="zh-CN" sz="1200">
+            <a:endParaRPr lang="en-US" altLang="zh-CN" sz="1200" dirty="0">
               <a:solidFill>
-                <a:srgbClr val="7F7F7F"/>
+                <a:schemeClr val="tx1">
+                  <a:lumMod val="65000"/>
+                  <a:lumOff val="35000"/>
+                </a:schemeClr>
               </a:solidFill>
               <a:latin typeface="微软雅黑" panose="020B0503020204020204" pitchFamily="34" charset="-122"/>
               <a:ea typeface="微软雅黑" panose="020B0503020204020204" pitchFamily="34" charset="-122"/>
@@ -4128,9 +4126,12 @@
           <a:p>
             <a:pPr eaLnBrk="1" hangingPunct="1"/>
             <a:r>
-              <a:rPr lang="en-US" altLang="zh-CN" sz="1200">
+              <a:rPr lang="en-US" altLang="zh-CN" sz="1200" dirty="0">
                 <a:solidFill>
-                  <a:srgbClr val="A5A5A5"/>
+                  <a:schemeClr val="tx1">
+                    <a:lumMod val="65000"/>
+                    <a:lumOff val="35000"/>
+                  </a:schemeClr>
                 </a:solidFill>
                 <a:latin typeface="微软雅黑" panose="020B0503020204020204" pitchFamily="34" charset="-122"/>
                 <a:ea typeface="微软雅黑" panose="020B0503020204020204" pitchFamily="34" charset="-122"/>
@@ -4138,9 +4139,12 @@
               </a:rPr>
               <a:t>http://blog.csdn.net/zhangci226</a:t>
             </a:r>
-            <a:endParaRPr lang="zh-CN" altLang="en-US" sz="1200">
+            <a:endParaRPr lang="zh-CN" altLang="en-US" sz="1200" dirty="0">
               <a:solidFill>
-                <a:srgbClr val="A5A5A5"/>
+                <a:schemeClr val="tx1">
+                  <a:lumMod val="65000"/>
+                  <a:lumOff val="35000"/>
+                </a:schemeClr>
               </a:solidFill>
               <a:latin typeface="微软雅黑" panose="020B0503020204020204" pitchFamily="34" charset="-122"/>
               <a:ea typeface="微软雅黑" panose="020B0503020204020204" pitchFamily="34" charset="-122"/>
@@ -33726,8 +33730,8 @@
           </a:p>
         </p:txBody>
       </p:sp>
-      <mc:AlternateContent xmlns:mc="http://schemas.openxmlformats.org/markup-compatibility/2006">
-        <mc:Choice xmlns:a14="http://schemas.microsoft.com/office/drawing/2010/main" Requires="a14">
+      <mc:AlternateContent xmlns:mc="http://schemas.openxmlformats.org/markup-compatibility/2006" xmlns:a14="http://schemas.microsoft.com/office/drawing/2010/main">
+        <mc:Choice Requires="a14">
           <p:sp>
             <p:nvSpPr>
               <p:cNvPr id="4" name="Content Placeholder 3">
@@ -34337,7 +34341,7 @@
             </p:txBody>
           </p:sp>
         </mc:Choice>
-        <mc:Fallback>
+        <mc:Fallback xmlns="">
           <p:sp>
             <p:nvSpPr>
               <p:cNvPr id="4" name="Content Placeholder 3">
